--- a/Presentation/Approach note.pptx
+++ b/Presentation/Approach note.pptx
@@ -261,7 +261,7 @@
           <a:p>
             <a:fld id="{B17C7247-5271-4202-A761-1CB5194F0DBC}" type="datetimeFigureOut">
               <a:rPr lang="en-IN" smtClean="0"/>
-              <a:t>28-09-2024</a:t>
+              <a:t>29-09-2024</a:t>
             </a:fld>
             <a:endParaRPr lang="en-IN"/>
           </a:p>
@@ -461,7 +461,7 @@
           <a:p>
             <a:fld id="{B17C7247-5271-4202-A761-1CB5194F0DBC}" type="datetimeFigureOut">
               <a:rPr lang="en-IN" smtClean="0"/>
-              <a:t>28-09-2024</a:t>
+              <a:t>29-09-2024</a:t>
             </a:fld>
             <a:endParaRPr lang="en-IN"/>
           </a:p>
@@ -671,7 +671,7 @@
           <a:p>
             <a:fld id="{B17C7247-5271-4202-A761-1CB5194F0DBC}" type="datetimeFigureOut">
               <a:rPr lang="en-IN" smtClean="0"/>
-              <a:t>28-09-2024</a:t>
+              <a:t>29-09-2024</a:t>
             </a:fld>
             <a:endParaRPr lang="en-IN"/>
           </a:p>
@@ -909,7 +909,7 @@
           <a:p>
             <a:fld id="{B17C7247-5271-4202-A761-1CB5194F0DBC}" type="datetimeFigureOut">
               <a:rPr lang="en-IN" smtClean="0"/>
-              <a:t>28-09-2024</a:t>
+              <a:t>29-09-2024</a:t>
             </a:fld>
             <a:endParaRPr lang="en-IN"/>
           </a:p>
@@ -1185,7 +1185,7 @@
           <a:p>
             <a:fld id="{B17C7247-5271-4202-A761-1CB5194F0DBC}" type="datetimeFigureOut">
               <a:rPr lang="en-IN" smtClean="0"/>
-              <a:t>28-09-2024</a:t>
+              <a:t>29-09-2024</a:t>
             </a:fld>
             <a:endParaRPr lang="en-IN"/>
           </a:p>
@@ -1453,7 +1453,7 @@
           <a:p>
             <a:fld id="{B17C7247-5271-4202-A761-1CB5194F0DBC}" type="datetimeFigureOut">
               <a:rPr lang="en-IN" smtClean="0"/>
-              <a:t>28-09-2024</a:t>
+              <a:t>29-09-2024</a:t>
             </a:fld>
             <a:endParaRPr lang="en-IN"/>
           </a:p>
@@ -1868,7 +1868,7 @@
           <a:p>
             <a:fld id="{B17C7247-5271-4202-A761-1CB5194F0DBC}" type="datetimeFigureOut">
               <a:rPr lang="en-IN" smtClean="0"/>
-              <a:t>28-09-2024</a:t>
+              <a:t>29-09-2024</a:t>
             </a:fld>
             <a:endParaRPr lang="en-IN"/>
           </a:p>
@@ -2010,7 +2010,7 @@
           <a:p>
             <a:fld id="{B17C7247-5271-4202-A761-1CB5194F0DBC}" type="datetimeFigureOut">
               <a:rPr lang="en-IN" smtClean="0"/>
-              <a:t>28-09-2024</a:t>
+              <a:t>29-09-2024</a:t>
             </a:fld>
             <a:endParaRPr lang="en-IN"/>
           </a:p>
@@ -2123,7 +2123,7 @@
           <a:p>
             <a:fld id="{B17C7247-5271-4202-A761-1CB5194F0DBC}" type="datetimeFigureOut">
               <a:rPr lang="en-IN" smtClean="0"/>
-              <a:t>28-09-2024</a:t>
+              <a:t>29-09-2024</a:t>
             </a:fld>
             <a:endParaRPr lang="en-IN"/>
           </a:p>
@@ -2436,7 +2436,7 @@
           <a:p>
             <a:fld id="{B17C7247-5271-4202-A761-1CB5194F0DBC}" type="datetimeFigureOut">
               <a:rPr lang="en-IN" smtClean="0"/>
-              <a:t>28-09-2024</a:t>
+              <a:t>29-09-2024</a:t>
             </a:fld>
             <a:endParaRPr lang="en-IN"/>
           </a:p>
@@ -2725,7 +2725,7 @@
           <a:p>
             <a:fld id="{B17C7247-5271-4202-A761-1CB5194F0DBC}" type="datetimeFigureOut">
               <a:rPr lang="en-IN" smtClean="0"/>
-              <a:t>28-09-2024</a:t>
+              <a:t>29-09-2024</a:t>
             </a:fld>
             <a:endParaRPr lang="en-IN"/>
           </a:p>
@@ -2968,7 +2968,7 @@
           <a:p>
             <a:fld id="{B17C7247-5271-4202-A761-1CB5194F0DBC}" type="datetimeFigureOut">
               <a:rPr lang="en-IN" smtClean="0"/>
-              <a:t>28-09-2024</a:t>
+              <a:t>29-09-2024</a:t>
             </a:fld>
             <a:endParaRPr lang="en-IN"/>
           </a:p>
@@ -5322,7 +5322,7 @@
         </p:nvCxnSpPr>
         <p:spPr>
           <a:xfrm>
-            <a:off x="405703" y="822753"/>
+            <a:off x="405703" y="973075"/>
             <a:ext cx="2778914" cy="0"/>
           </a:xfrm>
           <a:prstGeom prst="line">
@@ -5353,42 +5353,6 @@
           </a:fontRef>
         </p:style>
       </p:cxnSp>
-      <p:pic>
-        <p:nvPicPr>
-          <p:cNvPr id="12" name="Picture 11">
-            <a:extLst>
-              <a:ext uri="{FF2B5EF4-FFF2-40B4-BE49-F238E27FC236}">
-                <a16:creationId xmlns:a16="http://schemas.microsoft.com/office/drawing/2014/main" id="{9A10EC05-0E7B-616B-84D4-8ED19ECBAAE0}"/>
-              </a:ext>
-            </a:extLst>
-          </p:cNvPr>
-          <p:cNvPicPr>
-            <a:picLocks noChangeAspect="1"/>
-          </p:cNvPicPr>
-          <p:nvPr/>
-        </p:nvPicPr>
-        <p:blipFill>
-          <a:blip r:embed="rId2">
-            <a:extLst>
-              <a:ext uri="{28A0092B-C50C-407E-A947-70E740481C1C}">
-                <a14:useLocalDpi xmlns:a14="http://schemas.microsoft.com/office/drawing/2010/main" val="0"/>
-              </a:ext>
-            </a:extLst>
-          </a:blip>
-          <a:stretch>
-            <a:fillRect/>
-          </a:stretch>
-        </p:blipFill>
-        <p:spPr>
-          <a:xfrm>
-            <a:off x="-8728" y="653740"/>
-            <a:ext cx="428227" cy="428227"/>
-          </a:xfrm>
-          <a:prstGeom prst="rect">
-            <a:avLst/>
-          </a:prstGeom>
-        </p:spPr>
-      </p:pic>
       <p:sp>
         <p:nvSpPr>
           <p:cNvPr id="13" name="Rectangle 12">
@@ -5403,8 +5367,8 @@
         </p:nvSpPr>
         <p:spPr>
           <a:xfrm>
-            <a:off x="695119" y="1117277"/>
-            <a:ext cx="2316486" cy="2246769"/>
+            <a:off x="265500" y="1095481"/>
+            <a:ext cx="2913942" cy="1600438"/>
           </a:xfrm>
           <a:prstGeom prst="rect">
             <a:avLst/>
@@ -5416,7 +5380,6 @@
           </a:bodyPr>
           <a:lstStyle/>
           <a:p>
-            <a:pPr algn="ctr"/>
             <a:r>
               <a:rPr lang="en-US" sz="1400" dirty="0">
                 <a:latin typeface="Candara" panose="020E0502030303020204" pitchFamily="34" charset="0"/>
@@ -5443,7 +5406,7 @@
         <p:spPr>
           <a:xfrm>
             <a:off x="3184617" y="877170"/>
-            <a:ext cx="0" cy="3383280"/>
+            <a:ext cx="0" cy="1828800"/>
           </a:xfrm>
           <a:prstGeom prst="line">
             <a:avLst/>
@@ -5489,8 +5452,8 @@
         </p:nvCxnSpPr>
         <p:spPr>
           <a:xfrm>
-            <a:off x="3604433" y="2113732"/>
-            <a:ext cx="2778914" cy="0"/>
+            <a:off x="2360753" y="2705970"/>
+            <a:ext cx="8869680" cy="0"/>
           </a:xfrm>
           <a:prstGeom prst="line">
             <a:avLst/>
@@ -5520,48 +5483,6 @@
           </a:fontRef>
         </p:style>
       </p:cxnSp>
-      <p:sp>
-        <p:nvSpPr>
-          <p:cNvPr id="21" name="TextBox 20">
-            <a:extLst>
-              <a:ext uri="{FF2B5EF4-FFF2-40B4-BE49-F238E27FC236}">
-                <a16:creationId xmlns:a16="http://schemas.microsoft.com/office/drawing/2014/main" id="{DD366B47-3DC8-BCCA-C05B-D274086DFBFB}"/>
-              </a:ext>
-            </a:extLst>
-          </p:cNvPr>
-          <p:cNvSpPr txBox="1"/>
-          <p:nvPr/>
-        </p:nvSpPr>
-        <p:spPr>
-          <a:xfrm>
-            <a:off x="3152046" y="1982046"/>
-            <a:ext cx="904775" cy="307777"/>
-          </a:xfrm>
-          <a:prstGeom prst="rect">
-            <a:avLst/>
-          </a:prstGeom>
-          <a:solidFill>
-            <a:schemeClr val="bg1"/>
-          </a:solidFill>
-          <a:ln>
-            <a:solidFill>
-              <a:schemeClr val="accent1"/>
-            </a:solidFill>
-          </a:ln>
-        </p:spPr>
-        <p:txBody>
-          <a:bodyPr wrap="square">
-            <a:spAutoFit/>
-          </a:bodyPr>
-          <a:lstStyle/>
-          <a:p>
-            <a:r>
-              <a:rPr lang="en-US" sz="1400" b="1" dirty="0"/>
-              <a:t>Steps</a:t>
-            </a:r>
-          </a:p>
-        </p:txBody>
-      </p:sp>
       <p:cxnSp>
         <p:nvCxnSpPr>
           <p:cNvPr id="22" name="Straight Connector 21">
@@ -5578,7 +5499,7 @@
         </p:nvCxnSpPr>
         <p:spPr>
           <a:xfrm>
-            <a:off x="8422013" y="907175"/>
+            <a:off x="8451519" y="1149056"/>
             <a:ext cx="2778914" cy="0"/>
           </a:xfrm>
           <a:prstGeom prst="line">
@@ -5623,7 +5544,7 @@
         </p:nvSpPr>
         <p:spPr>
           <a:xfrm>
-            <a:off x="10440258" y="753287"/>
+            <a:off x="10469764" y="995168"/>
             <a:ext cx="1471437" cy="307777"/>
           </a:xfrm>
           <a:prstGeom prst="rect">
@@ -5668,8 +5589,8 @@
         </p:nvSpPr>
         <p:spPr>
           <a:xfrm>
-            <a:off x="3225930" y="1008185"/>
-            <a:ext cx="8475788" cy="954107"/>
+            <a:off x="3194190" y="1403954"/>
+            <a:ext cx="8550770" cy="954107"/>
           </a:xfrm>
           <a:prstGeom prst="rect">
             <a:avLst/>
@@ -5703,6 +5624,7 @@
             </a:r>
           </a:p>
           <a:p>
+            <a:pPr algn="ctr"/>
             <a:r>
               <a:rPr lang="en-US" sz="1400" dirty="0">
                 <a:latin typeface="Candara" panose="020E0502030303020204" pitchFamily="34" charset="0"/>
@@ -22996,53 +22918,6 @@
           </p:txBody>
         </p:sp>
       </p:grpSp>
-      <p:pic>
-        <p:nvPicPr>
-          <p:cNvPr id="32" name="Picture 44" descr="Pen tool">
-            <a:extLst>
-              <a:ext uri="{FF2B5EF4-FFF2-40B4-BE49-F238E27FC236}">
-                <a16:creationId xmlns:a16="http://schemas.microsoft.com/office/drawing/2014/main" id="{41F88B63-B258-E2C1-02A5-513FE771E755}"/>
-              </a:ext>
-            </a:extLst>
-          </p:cNvPr>
-          <p:cNvPicPr>
-            <a:picLocks noChangeAspect="1" noChangeArrowheads="1"/>
-          </p:cNvPicPr>
-          <p:nvPr/>
-        </p:nvPicPr>
-        <p:blipFill>
-          <a:blip r:embed="rId3">
-            <a:extLst>
-              <a:ext uri="{28A0092B-C50C-407E-A947-70E740481C1C}">
-                <a14:useLocalDpi xmlns:a14="http://schemas.microsoft.com/office/drawing/2010/main" val="0"/>
-              </a:ext>
-            </a:extLst>
-          </a:blip>
-          <a:srcRect/>
-          <a:stretch>
-            <a:fillRect/>
-          </a:stretch>
-        </p:blipFill>
-        <p:spPr bwMode="auto">
-          <a:xfrm>
-            <a:off x="2936135" y="87897"/>
-            <a:ext cx="365760" cy="365760"/>
-          </a:xfrm>
-          <a:prstGeom prst="rect">
-            <a:avLst/>
-          </a:prstGeom>
-          <a:noFill/>
-          <a:extLst>
-            <a:ext uri="{909E8E84-426E-40DD-AFC4-6F175D3DCCD1}">
-              <a14:hiddenFill xmlns:a14="http://schemas.microsoft.com/office/drawing/2010/main">
-                <a:solidFill>
-                  <a:srgbClr val="FFFFFF"/>
-                </a:solidFill>
-              </a14:hiddenFill>
-            </a:ext>
-          </a:extLst>
-        </p:spPr>
-      </p:pic>
       <p:sp>
         <p:nvSpPr>
           <p:cNvPr id="36" name="Rectangle 35">
@@ -23057,8 +22932,8 @@
         </p:nvSpPr>
         <p:spPr>
           <a:xfrm>
-            <a:off x="3244743" y="2311777"/>
-            <a:ext cx="8973406" cy="4207306"/>
+            <a:off x="1676802" y="2806979"/>
+            <a:ext cx="10402926" cy="3643690"/>
           </a:xfrm>
           <a:prstGeom prst="rect">
             <a:avLst/>
@@ -23472,6 +23347,269 @@
           </a:p>
         </p:txBody>
       </p:sp>
+      <p:sp>
+        <p:nvSpPr>
+          <p:cNvPr id="3" name="TextBox 2">
+            <a:extLst>
+              <a:ext uri="{FF2B5EF4-FFF2-40B4-BE49-F238E27FC236}">
+                <a16:creationId xmlns:a16="http://schemas.microsoft.com/office/drawing/2014/main" id="{DD366B47-3DC8-BCCA-C05B-D274086DFBFB}"/>
+              </a:ext>
+            </a:extLst>
+          </p:cNvPr>
+          <p:cNvSpPr txBox="1"/>
+          <p:nvPr/>
+        </p:nvSpPr>
+        <p:spPr>
+          <a:xfrm>
+            <a:off x="2820485" y="2539873"/>
+            <a:ext cx="904775" cy="307777"/>
+          </a:xfrm>
+          <a:prstGeom prst="rect">
+            <a:avLst/>
+          </a:prstGeom>
+          <a:solidFill>
+            <a:schemeClr val="bg1"/>
+          </a:solidFill>
+          <a:ln>
+            <a:solidFill>
+              <a:schemeClr val="accent1"/>
+            </a:solidFill>
+          </a:ln>
+        </p:spPr>
+        <p:txBody>
+          <a:bodyPr wrap="square">
+            <a:spAutoFit/>
+          </a:bodyPr>
+          <a:lstStyle/>
+          <a:p>
+            <a:pPr algn="ctr"/>
+            <a:r>
+              <a:rPr lang="en-US" sz="1400" b="1" dirty="0"/>
+              <a:t>Steps</a:t>
+            </a:r>
+          </a:p>
+        </p:txBody>
+      </p:sp>
+      <p:sp>
+        <p:nvSpPr>
+          <p:cNvPr id="8" name="TextBox 7">
+            <a:extLst>
+              <a:ext uri="{FF2B5EF4-FFF2-40B4-BE49-F238E27FC236}">
+                <a16:creationId xmlns:a16="http://schemas.microsoft.com/office/drawing/2014/main" id="{A3E46A40-2BF8-0EF1-AD89-9761856C7525}"/>
+              </a:ext>
+            </a:extLst>
+          </p:cNvPr>
+          <p:cNvSpPr txBox="1"/>
+          <p:nvPr/>
+        </p:nvSpPr>
+        <p:spPr>
+          <a:xfrm>
+            <a:off x="2699658" y="803164"/>
+            <a:ext cx="904775" cy="307777"/>
+          </a:xfrm>
+          <a:prstGeom prst="rect">
+            <a:avLst/>
+          </a:prstGeom>
+          <a:solidFill>
+            <a:schemeClr val="bg1"/>
+          </a:solidFill>
+          <a:ln>
+            <a:solidFill>
+              <a:schemeClr val="accent1"/>
+            </a:solidFill>
+          </a:ln>
+        </p:spPr>
+        <p:txBody>
+          <a:bodyPr wrap="square">
+            <a:spAutoFit/>
+          </a:bodyPr>
+          <a:lstStyle/>
+          <a:p>
+            <a:pPr algn="ctr"/>
+            <a:r>
+              <a:rPr lang="en-US" sz="1400" b="1" dirty="0"/>
+              <a:t>Objective</a:t>
+            </a:r>
+          </a:p>
+        </p:txBody>
+      </p:sp>
+      <p:pic>
+        <p:nvPicPr>
+          <p:cNvPr id="9" name="Picture 42" descr="Lightbulb">
+            <a:extLst>
+              <a:ext uri="{FF2B5EF4-FFF2-40B4-BE49-F238E27FC236}">
+                <a16:creationId xmlns:a16="http://schemas.microsoft.com/office/drawing/2014/main" id="{A21D15FD-0DE1-4B49-E1A9-A13E8ECD623C}"/>
+              </a:ext>
+            </a:extLst>
+          </p:cNvPr>
+          <p:cNvPicPr>
+            <a:picLocks noChangeAspect="1" noChangeArrowheads="1"/>
+          </p:cNvPicPr>
+          <p:nvPr/>
+        </p:nvPicPr>
+        <p:blipFill>
+          <a:blip r:embed="rId2">
+            <a:extLst>
+              <a:ext uri="{28A0092B-C50C-407E-A947-70E740481C1C}">
+                <a14:useLocalDpi xmlns:a14="http://schemas.microsoft.com/office/drawing/2010/main" val="0"/>
+              </a:ext>
+            </a:extLst>
+          </a:blip>
+          <a:srcRect/>
+          <a:stretch>
+            <a:fillRect/>
+          </a:stretch>
+        </p:blipFill>
+        <p:spPr bwMode="auto">
+          <a:xfrm>
+            <a:off x="10156303" y="920456"/>
+            <a:ext cx="457200" cy="457200"/>
+          </a:xfrm>
+          <a:prstGeom prst="rect">
+            <a:avLst/>
+          </a:prstGeom>
+          <a:noFill/>
+          <a:extLst>
+            <a:ext uri="{909E8E84-426E-40DD-AFC4-6F175D3DCCD1}">
+              <a14:hiddenFill xmlns:a14="http://schemas.microsoft.com/office/drawing/2010/main">
+                <a:solidFill>
+                  <a:srgbClr val="FFFFFF"/>
+                </a:solidFill>
+              </a14:hiddenFill>
+            </a:ext>
+          </a:extLst>
+        </p:spPr>
+      </p:pic>
+      <p:pic>
+        <p:nvPicPr>
+          <p:cNvPr id="11" name="Picture 2" descr="Trigonometry">
+            <a:extLst>
+              <a:ext uri="{FF2B5EF4-FFF2-40B4-BE49-F238E27FC236}">
+                <a16:creationId xmlns:a16="http://schemas.microsoft.com/office/drawing/2014/main" id="{73BE88F4-1FF6-0144-098B-02D061D2F2EB}"/>
+              </a:ext>
+            </a:extLst>
+          </p:cNvPr>
+          <p:cNvPicPr>
+            <a:picLocks noChangeAspect="1" noChangeArrowheads="1"/>
+          </p:cNvPicPr>
+          <p:nvPr/>
+        </p:nvPicPr>
+        <p:blipFill>
+          <a:blip r:embed="rId3">
+            <a:extLst>
+              <a:ext uri="{28A0092B-C50C-407E-A947-70E740481C1C}">
+                <a14:useLocalDpi xmlns:a14="http://schemas.microsoft.com/office/drawing/2010/main" val="0"/>
+              </a:ext>
+            </a:extLst>
+          </a:blip>
+          <a:srcRect/>
+          <a:stretch>
+            <a:fillRect/>
+          </a:stretch>
+        </p:blipFill>
+        <p:spPr bwMode="auto">
+          <a:xfrm>
+            <a:off x="3531037" y="2477370"/>
+            <a:ext cx="457200" cy="457200"/>
+          </a:xfrm>
+          <a:prstGeom prst="rect">
+            <a:avLst/>
+          </a:prstGeom>
+          <a:noFill/>
+          <a:extLst>
+            <a:ext uri="{909E8E84-426E-40DD-AFC4-6F175D3DCCD1}">
+              <a14:hiddenFill xmlns:a14="http://schemas.microsoft.com/office/drawing/2010/main">
+                <a:solidFill>
+                  <a:srgbClr val="FFFFFF"/>
+                </a:solidFill>
+              </a14:hiddenFill>
+            </a:ext>
+          </a:extLst>
+        </p:spPr>
+      </p:pic>
+      <p:pic>
+        <p:nvPicPr>
+          <p:cNvPr id="14" name="Picture 13">
+            <a:extLst>
+              <a:ext uri="{FF2B5EF4-FFF2-40B4-BE49-F238E27FC236}">
+                <a16:creationId xmlns:a16="http://schemas.microsoft.com/office/drawing/2014/main" id="{9A10EC05-0E7B-616B-84D4-8ED19ECBAAE0}"/>
+              </a:ext>
+            </a:extLst>
+          </p:cNvPr>
+          <p:cNvPicPr>
+            <a:picLocks noChangeAspect="1"/>
+          </p:cNvPicPr>
+          <p:nvPr/>
+        </p:nvPicPr>
+        <p:blipFill>
+          <a:blip r:embed="rId4">
+            <a:extLst>
+              <a:ext uri="{28A0092B-C50C-407E-A947-70E740481C1C}">
+                <a14:useLocalDpi xmlns:a14="http://schemas.microsoft.com/office/drawing/2010/main" val="0"/>
+              </a:ext>
+            </a:extLst>
+          </a:blip>
+          <a:stretch>
+            <a:fillRect/>
+          </a:stretch>
+        </p:blipFill>
+        <p:spPr>
+          <a:xfrm>
+            <a:off x="3502613" y="769124"/>
+            <a:ext cx="428227" cy="428227"/>
+          </a:xfrm>
+          <a:prstGeom prst="rect">
+            <a:avLst/>
+          </a:prstGeom>
+        </p:spPr>
+      </p:pic>
+      <p:pic>
+        <p:nvPicPr>
+          <p:cNvPr id="17" name="Picture 46" descr="Digital art">
+            <a:extLst>
+              <a:ext uri="{FF2B5EF4-FFF2-40B4-BE49-F238E27FC236}">
+                <a16:creationId xmlns:a16="http://schemas.microsoft.com/office/drawing/2014/main" id="{A348E481-DF67-77F2-54CB-10C5D4B76EC1}"/>
+              </a:ext>
+            </a:extLst>
+          </p:cNvPr>
+          <p:cNvPicPr>
+            <a:picLocks noChangeAspect="1" noChangeArrowheads="1"/>
+          </p:cNvPicPr>
+          <p:nvPr/>
+        </p:nvPicPr>
+        <p:blipFill>
+          <a:blip r:embed="rId5">
+            <a:extLst>
+              <a:ext uri="{28A0092B-C50C-407E-A947-70E740481C1C}">
+                <a14:useLocalDpi xmlns:a14="http://schemas.microsoft.com/office/drawing/2010/main" val="0"/>
+              </a:ext>
+            </a:extLst>
+          </a:blip>
+          <a:srcRect/>
+          <a:stretch>
+            <a:fillRect/>
+          </a:stretch>
+        </p:blipFill>
+        <p:spPr bwMode="auto">
+          <a:xfrm flipH="1">
+            <a:off x="2888058" y="21198"/>
+            <a:ext cx="489573" cy="489573"/>
+          </a:xfrm>
+          <a:prstGeom prst="rect">
+            <a:avLst/>
+          </a:prstGeom>
+          <a:noFill/>
+          <a:extLst>
+            <a:ext uri="{909E8E84-426E-40DD-AFC4-6F175D3DCCD1}">
+              <a14:hiddenFill xmlns:a14="http://schemas.microsoft.com/office/drawing/2010/main">
+                <a:solidFill>
+                  <a:srgbClr val="FFFFFF"/>
+                </a:solidFill>
+              </a14:hiddenFill>
+            </a:ext>
+          </a:extLst>
+        </p:spPr>
+      </p:pic>
     </p:spTree>
     <p:extLst>
       <p:ext uri="{BB962C8B-B14F-4D97-AF65-F5344CB8AC3E}">

--- a/Presentation/Approach note.pptx
+++ b/Presentation/Approach note.pptx
@@ -5590,7 +5590,7 @@
         <p:spPr>
           <a:xfrm>
             <a:off x="3194190" y="1403954"/>
-            <a:ext cx="8550770" cy="954107"/>
+            <a:ext cx="8550770" cy="1169551"/>
           </a:xfrm>
           <a:prstGeom prst="rect">
             <a:avLst/>
@@ -5606,8 +5606,17 @@
               <a:rPr lang="en-US" sz="1400" dirty="0">
                 <a:latin typeface="Candara" panose="020E0502030303020204" pitchFamily="34" charset="0"/>
               </a:rPr>
-              <a:t>After aggregating data at the  a classification algorithm was applied. A Random Forest classifier is chosen for its robustness and ability to handle both categorical and numerical data effectively.</a:t>
+              <a:t>After aggregating data at the  a classification algorithm was applied. A Random Forest classifier is chosen for its robustness and ability to handle both categorical and numerical data effectively. Event rate is about 7% for the </a:t>
             </a:r>
+            <a:r>
+              <a:rPr lang="en-US" sz="1400">
+                <a:latin typeface="Candara" panose="020E0502030303020204" pitchFamily="34" charset="0"/>
+              </a:rPr>
+              <a:t>problem stated </a:t>
+            </a:r>
+            <a:endParaRPr lang="en-US" sz="1400" dirty="0">
+              <a:latin typeface="Candara" panose="020E0502030303020204" pitchFamily="34" charset="0"/>
+            </a:endParaRPr>
           </a:p>
           <a:p>
             <a:r>

--- a/Presentation/Approach note.pptx
+++ b/Presentation/Approach note.pptx
@@ -5606,13 +5606,13 @@
               <a:rPr lang="en-US" sz="1400" dirty="0">
                 <a:latin typeface="Candara" panose="020E0502030303020204" pitchFamily="34" charset="0"/>
               </a:rPr>
-              <a:t>After aggregating data at the  a classification algorithm was applied. A Random Forest classifier is chosen for its robustness and ability to handle both categorical and numerical data effectively. Event rate is about 7% for the </a:t>
+              <a:t>After aggregating data at the  a classification algorithm was applied. A Random Forest classifier is chosen for its robustness and ability to handle both categorical and numerical data effectively. This is an Imbalanced set with 7% </a:t>
             </a:r>
             <a:r>
               <a:rPr lang="en-US" sz="1400">
                 <a:latin typeface="Candara" panose="020E0502030303020204" pitchFamily="34" charset="0"/>
               </a:rPr>
-              <a:t>problem stated </a:t>
+              <a:t>event rate</a:t>
             </a:r>
             <a:endParaRPr lang="en-US" sz="1400" dirty="0">
               <a:latin typeface="Candara" panose="020E0502030303020204" pitchFamily="34" charset="0"/>
